--- a/data/Добрынюшка.pptx
+++ b/data/Добрынюшка.pptx
@@ -4,14 +4,17 @@
   <p:sldMasterIdLst>
     <p:sldMasterId id="2147483648" r:id="rId1"/>
   </p:sldMasterIdLst>
+  <p:notesMasterIdLst>
+    <p:notesMasterId r:id="rId11"/>
+  </p:notesMasterIdLst>
   <p:sldIdLst>
     <p:sldId id="256" r:id="rId2"/>
     <p:sldId id="259" r:id="rId3"/>
     <p:sldId id="269" r:id="rId4"/>
     <p:sldId id="261" r:id="rId5"/>
-    <p:sldId id="270" r:id="rId6"/>
-    <p:sldId id="271" r:id="rId7"/>
-    <p:sldId id="272" r:id="rId8"/>
+    <p:sldId id="272" r:id="rId6"/>
+    <p:sldId id="270" r:id="rId7"/>
+    <p:sldId id="271" r:id="rId8"/>
     <p:sldId id="274" r:id="rId9"/>
     <p:sldId id="273" r:id="rId10"/>
   </p:sldIdLst>
@@ -129,6 +132,628 @@
     </p:ext>
   </p:extLst>
 </p:presentation>
+</file>
+
+<file path=ppt/notesMasters/notesMaster1.xml><?xml version="1.0" encoding="utf-8"?>
+<p:notesMaster xmlns:a="http://schemas.openxmlformats.org/drawingml/2006/main" xmlns:r="http://schemas.openxmlformats.org/officeDocument/2006/relationships" xmlns:p="http://schemas.openxmlformats.org/presentationml/2006/main">
+  <p:cSld>
+    <p:bg>
+      <p:bgRef idx="1001">
+        <a:schemeClr val="bg1"/>
+      </p:bgRef>
+    </p:bg>
+    <p:spTree>
+      <p:nvGrpSpPr>
+        <p:cNvPr id="1" name=""/>
+        <p:cNvGrpSpPr/>
+        <p:nvPr/>
+      </p:nvGrpSpPr>
+      <p:grpSpPr>
+        <a:xfrm>
+          <a:off x="0" y="0"/>
+          <a:ext cx="0" cy="0"/>
+          <a:chOff x="0" y="0"/>
+          <a:chExt cx="0" cy="0"/>
+        </a:xfrm>
+      </p:grpSpPr>
+      <p:sp>
+        <p:nvSpPr>
+          <p:cNvPr id="2" name="Верхний колонтитул 1"/>
+          <p:cNvSpPr>
+            <a:spLocks noGrp="1"/>
+          </p:cNvSpPr>
+          <p:nvPr>
+            <p:ph type="hdr" sz="quarter"/>
+          </p:nvPr>
+        </p:nvSpPr>
+        <p:spPr>
+          <a:xfrm>
+            <a:off x="0" y="0"/>
+            <a:ext cx="5283200" cy="344488"/>
+          </a:xfrm>
+          <a:prstGeom prst="rect">
+            <a:avLst/>
+          </a:prstGeom>
+        </p:spPr>
+        <p:txBody>
+          <a:bodyPr vert="horz" lIns="91440" tIns="45720" rIns="91440" bIns="45720" rtlCol="0"/>
+          <a:lstStyle>
+            <a:lvl1pPr algn="l">
+              <a:defRPr sz="1200"/>
+            </a:lvl1pPr>
+          </a:lstStyle>
+          <a:p>
+            <a:endParaRPr lang="ru-RU"/>
+          </a:p>
+        </p:txBody>
+      </p:sp>
+      <p:sp>
+        <p:nvSpPr>
+          <p:cNvPr id="3" name="Дата 2"/>
+          <p:cNvSpPr>
+            <a:spLocks noGrp="1"/>
+          </p:cNvSpPr>
+          <p:nvPr>
+            <p:ph type="dt" idx="1"/>
+          </p:nvPr>
+        </p:nvSpPr>
+        <p:spPr>
+          <a:xfrm>
+            <a:off x="6905625" y="0"/>
+            <a:ext cx="5283200" cy="344488"/>
+          </a:xfrm>
+          <a:prstGeom prst="rect">
+            <a:avLst/>
+          </a:prstGeom>
+        </p:spPr>
+        <p:txBody>
+          <a:bodyPr vert="horz" lIns="91440" tIns="45720" rIns="91440" bIns="45720" rtlCol="0"/>
+          <a:lstStyle>
+            <a:lvl1pPr algn="r">
+              <a:defRPr sz="1200"/>
+            </a:lvl1pPr>
+          </a:lstStyle>
+          <a:p>
+            <a:fld id="{80FDA653-2CFA-4D4B-B0E9-B38F5AA758FD}" type="datetimeFigureOut">
+              <a:rPr lang="ru-RU" smtClean="0"/>
+              <a:t>11.11.2023</a:t>
+            </a:fld>
+            <a:endParaRPr lang="ru-RU"/>
+          </a:p>
+        </p:txBody>
+      </p:sp>
+      <p:sp>
+        <p:nvSpPr>
+          <p:cNvPr id="4" name="Образ слайда 3"/>
+          <p:cNvSpPr>
+            <a:spLocks noGrp="1" noRot="1" noChangeAspect="1"/>
+          </p:cNvSpPr>
+          <p:nvPr>
+            <p:ph type="sldImg" idx="2"/>
+          </p:nvPr>
+        </p:nvSpPr>
+        <p:spPr>
+          <a:xfrm>
+            <a:off x="4038600" y="857250"/>
+            <a:ext cx="4114800" cy="2314575"/>
+          </a:xfrm>
+          <a:prstGeom prst="rect">
+            <a:avLst/>
+          </a:prstGeom>
+          <a:noFill/>
+          <a:ln w="12700">
+            <a:solidFill>
+              <a:prstClr val="black"/>
+            </a:solidFill>
+          </a:ln>
+        </p:spPr>
+        <p:txBody>
+          <a:bodyPr vert="horz" lIns="91440" tIns="45720" rIns="91440" bIns="45720" rtlCol="0" anchor="ctr"/>
+          <a:lstStyle/>
+          <a:p>
+            <a:endParaRPr lang="ru-RU"/>
+          </a:p>
+        </p:txBody>
+      </p:sp>
+      <p:sp>
+        <p:nvSpPr>
+          <p:cNvPr id="5" name="Заметки 4"/>
+          <p:cNvSpPr>
+            <a:spLocks noGrp="1"/>
+          </p:cNvSpPr>
+          <p:nvPr>
+            <p:ph type="body" sz="quarter" idx="3"/>
+          </p:nvPr>
+        </p:nvSpPr>
+        <p:spPr>
+          <a:xfrm>
+            <a:off x="1219200" y="3300413"/>
+            <a:ext cx="9753600" cy="2700337"/>
+          </a:xfrm>
+          <a:prstGeom prst="rect">
+            <a:avLst/>
+          </a:prstGeom>
+        </p:spPr>
+        <p:txBody>
+          <a:bodyPr vert="horz" lIns="91440" tIns="45720" rIns="91440" bIns="45720" rtlCol="0"/>
+          <a:lstStyle/>
+          <a:p>
+            <a:pPr lvl="0"/>
+            <a:r>
+              <a:rPr lang="ru-RU" smtClean="0"/>
+              <a:t>Образец текста</a:t>
+            </a:r>
+          </a:p>
+          <a:p>
+            <a:pPr lvl="1"/>
+            <a:r>
+              <a:rPr lang="ru-RU" smtClean="0"/>
+              <a:t>Второй уровень</a:t>
+            </a:r>
+          </a:p>
+          <a:p>
+            <a:pPr lvl="2"/>
+            <a:r>
+              <a:rPr lang="ru-RU" smtClean="0"/>
+              <a:t>Третий уровень</a:t>
+            </a:r>
+          </a:p>
+          <a:p>
+            <a:pPr lvl="3"/>
+            <a:r>
+              <a:rPr lang="ru-RU" smtClean="0"/>
+              <a:t>Четвертый уровень</a:t>
+            </a:r>
+          </a:p>
+          <a:p>
+            <a:pPr lvl="4"/>
+            <a:r>
+              <a:rPr lang="ru-RU" smtClean="0"/>
+              <a:t>Пятый уровень</a:t>
+            </a:r>
+            <a:endParaRPr lang="ru-RU"/>
+          </a:p>
+        </p:txBody>
+      </p:sp>
+      <p:sp>
+        <p:nvSpPr>
+          <p:cNvPr id="6" name="Нижний колонтитул 5"/>
+          <p:cNvSpPr>
+            <a:spLocks noGrp="1"/>
+          </p:cNvSpPr>
+          <p:nvPr>
+            <p:ph type="ftr" sz="quarter" idx="4"/>
+          </p:nvPr>
+        </p:nvSpPr>
+        <p:spPr>
+          <a:xfrm>
+            <a:off x="0" y="6513513"/>
+            <a:ext cx="5283200" cy="344487"/>
+          </a:xfrm>
+          <a:prstGeom prst="rect">
+            <a:avLst/>
+          </a:prstGeom>
+        </p:spPr>
+        <p:txBody>
+          <a:bodyPr vert="horz" lIns="91440" tIns="45720" rIns="91440" bIns="45720" rtlCol="0" anchor="b"/>
+          <a:lstStyle>
+            <a:lvl1pPr algn="l">
+              <a:defRPr sz="1200"/>
+            </a:lvl1pPr>
+          </a:lstStyle>
+          <a:p>
+            <a:endParaRPr lang="ru-RU"/>
+          </a:p>
+        </p:txBody>
+      </p:sp>
+      <p:sp>
+        <p:nvSpPr>
+          <p:cNvPr id="7" name="Номер слайда 6"/>
+          <p:cNvSpPr>
+            <a:spLocks noGrp="1"/>
+          </p:cNvSpPr>
+          <p:nvPr>
+            <p:ph type="sldNum" sz="quarter" idx="5"/>
+          </p:nvPr>
+        </p:nvSpPr>
+        <p:spPr>
+          <a:xfrm>
+            <a:off x="6905625" y="6513513"/>
+            <a:ext cx="5283200" cy="344487"/>
+          </a:xfrm>
+          <a:prstGeom prst="rect">
+            <a:avLst/>
+          </a:prstGeom>
+        </p:spPr>
+        <p:txBody>
+          <a:bodyPr vert="horz" lIns="91440" tIns="45720" rIns="91440" bIns="45720" rtlCol="0" anchor="b"/>
+          <a:lstStyle>
+            <a:lvl1pPr algn="r">
+              <a:defRPr sz="1200"/>
+            </a:lvl1pPr>
+          </a:lstStyle>
+          <a:p>
+            <a:fld id="{9DF1553D-A1FB-43B9-A78A-E23F31901EE4}" type="slidenum">
+              <a:rPr lang="ru-RU" smtClean="0"/>
+              <a:t>‹#›</a:t>
+            </a:fld>
+            <a:endParaRPr lang="ru-RU"/>
+          </a:p>
+        </p:txBody>
+      </p:sp>
+    </p:spTree>
+    <p:extLst>
+      <p:ext uri="{BB962C8B-B14F-4D97-AF65-F5344CB8AC3E}">
+        <p14:creationId xmlns:p14="http://schemas.microsoft.com/office/powerpoint/2010/main" val="1708065720"/>
+      </p:ext>
+    </p:extLst>
+  </p:cSld>
+  <p:clrMap bg1="lt1" tx1="dk1" bg2="lt2" tx2="dk2" accent1="accent1" accent2="accent2" accent3="accent3" accent4="accent4" accent5="accent5" accent6="accent6" hlink="hlink" folHlink="folHlink"/>
+  <p:notesStyle>
+    <a:lvl1pPr marL="0" algn="l" defTabSz="914400" rtl="0" eaLnBrk="1" latinLnBrk="0" hangingPunct="1">
+      <a:defRPr sz="1200" kern="1200">
+        <a:solidFill>
+          <a:schemeClr val="tx1"/>
+        </a:solidFill>
+        <a:latin typeface="+mn-lt"/>
+        <a:ea typeface="+mn-ea"/>
+        <a:cs typeface="+mn-cs"/>
+      </a:defRPr>
+    </a:lvl1pPr>
+    <a:lvl2pPr marL="457200" algn="l" defTabSz="914400" rtl="0" eaLnBrk="1" latinLnBrk="0" hangingPunct="1">
+      <a:defRPr sz="1200" kern="1200">
+        <a:solidFill>
+          <a:schemeClr val="tx1"/>
+        </a:solidFill>
+        <a:latin typeface="+mn-lt"/>
+        <a:ea typeface="+mn-ea"/>
+        <a:cs typeface="+mn-cs"/>
+      </a:defRPr>
+    </a:lvl2pPr>
+    <a:lvl3pPr marL="914400" algn="l" defTabSz="914400" rtl="0" eaLnBrk="1" latinLnBrk="0" hangingPunct="1">
+      <a:defRPr sz="1200" kern="1200">
+        <a:solidFill>
+          <a:schemeClr val="tx1"/>
+        </a:solidFill>
+        <a:latin typeface="+mn-lt"/>
+        <a:ea typeface="+mn-ea"/>
+        <a:cs typeface="+mn-cs"/>
+      </a:defRPr>
+    </a:lvl3pPr>
+    <a:lvl4pPr marL="1371600" algn="l" defTabSz="914400" rtl="0" eaLnBrk="1" latinLnBrk="0" hangingPunct="1">
+      <a:defRPr sz="1200" kern="1200">
+        <a:solidFill>
+          <a:schemeClr val="tx1"/>
+        </a:solidFill>
+        <a:latin typeface="+mn-lt"/>
+        <a:ea typeface="+mn-ea"/>
+        <a:cs typeface="+mn-cs"/>
+      </a:defRPr>
+    </a:lvl4pPr>
+    <a:lvl5pPr marL="1828800" algn="l" defTabSz="914400" rtl="0" eaLnBrk="1" latinLnBrk="0" hangingPunct="1">
+      <a:defRPr sz="1200" kern="1200">
+        <a:solidFill>
+          <a:schemeClr val="tx1"/>
+        </a:solidFill>
+        <a:latin typeface="+mn-lt"/>
+        <a:ea typeface="+mn-ea"/>
+        <a:cs typeface="+mn-cs"/>
+      </a:defRPr>
+    </a:lvl5pPr>
+    <a:lvl6pPr marL="2286000" algn="l" defTabSz="914400" rtl="0" eaLnBrk="1" latinLnBrk="0" hangingPunct="1">
+      <a:defRPr sz="1200" kern="1200">
+        <a:solidFill>
+          <a:schemeClr val="tx1"/>
+        </a:solidFill>
+        <a:latin typeface="+mn-lt"/>
+        <a:ea typeface="+mn-ea"/>
+        <a:cs typeface="+mn-cs"/>
+      </a:defRPr>
+    </a:lvl6pPr>
+    <a:lvl7pPr marL="2743200" algn="l" defTabSz="914400" rtl="0" eaLnBrk="1" latinLnBrk="0" hangingPunct="1">
+      <a:defRPr sz="1200" kern="1200">
+        <a:solidFill>
+          <a:schemeClr val="tx1"/>
+        </a:solidFill>
+        <a:latin typeface="+mn-lt"/>
+        <a:ea typeface="+mn-ea"/>
+        <a:cs typeface="+mn-cs"/>
+      </a:defRPr>
+    </a:lvl7pPr>
+    <a:lvl8pPr marL="3200400" algn="l" defTabSz="914400" rtl="0" eaLnBrk="1" latinLnBrk="0" hangingPunct="1">
+      <a:defRPr sz="1200" kern="1200">
+        <a:solidFill>
+          <a:schemeClr val="tx1"/>
+        </a:solidFill>
+        <a:latin typeface="+mn-lt"/>
+        <a:ea typeface="+mn-ea"/>
+        <a:cs typeface="+mn-cs"/>
+      </a:defRPr>
+    </a:lvl8pPr>
+    <a:lvl9pPr marL="3657600" algn="l" defTabSz="914400" rtl="0" eaLnBrk="1" latinLnBrk="0" hangingPunct="1">
+      <a:defRPr sz="1200" kern="1200">
+        <a:solidFill>
+          <a:schemeClr val="tx1"/>
+        </a:solidFill>
+        <a:latin typeface="+mn-lt"/>
+        <a:ea typeface="+mn-ea"/>
+        <a:cs typeface="+mn-cs"/>
+      </a:defRPr>
+    </a:lvl9pPr>
+  </p:notesStyle>
+</p:notesMaster>
+</file>
+
+<file path=ppt/notesSlides/notesSlide1.xml><?xml version="1.0" encoding="utf-8"?>
+<p:notes xmlns:a="http://schemas.openxmlformats.org/drawingml/2006/main" xmlns:r="http://schemas.openxmlformats.org/officeDocument/2006/relationships" xmlns:p="http://schemas.openxmlformats.org/presentationml/2006/main">
+  <p:cSld>
+    <p:spTree>
+      <p:nvGrpSpPr>
+        <p:cNvPr id="1" name=""/>
+        <p:cNvGrpSpPr/>
+        <p:nvPr/>
+      </p:nvGrpSpPr>
+      <p:grpSpPr>
+        <a:xfrm>
+          <a:off x="0" y="0"/>
+          <a:ext cx="0" cy="0"/>
+          <a:chOff x="0" y="0"/>
+          <a:chExt cx="0" cy="0"/>
+        </a:xfrm>
+      </p:grpSpPr>
+      <p:sp>
+        <p:nvSpPr>
+          <p:cNvPr id="2" name="Образ слайда 1"/>
+          <p:cNvSpPr>
+            <a:spLocks noGrp="1" noRot="1" noChangeAspect="1"/>
+          </p:cNvSpPr>
+          <p:nvPr>
+            <p:ph type="sldImg"/>
+          </p:nvPr>
+        </p:nvSpPr>
+        <p:spPr/>
+      </p:sp>
+      <p:sp>
+        <p:nvSpPr>
+          <p:cNvPr id="3" name="Заметки 2"/>
+          <p:cNvSpPr>
+            <a:spLocks noGrp="1"/>
+          </p:cNvSpPr>
+          <p:nvPr>
+            <p:ph type="body" idx="1"/>
+          </p:nvPr>
+        </p:nvSpPr>
+        <p:spPr/>
+        <p:txBody>
+          <a:bodyPr/>
+          <a:lstStyle/>
+          <a:p>
+            <a:r>
+              <a:rPr lang="ru-RU" dirty="0" smtClean="0"/>
+              <a:t>Рассказать, почему мы все собрались, что объединяет.</a:t>
+            </a:r>
+            <a:endParaRPr lang="ru-RU" dirty="0"/>
+          </a:p>
+        </p:txBody>
+      </p:sp>
+      <p:sp>
+        <p:nvSpPr>
+          <p:cNvPr id="4" name="Номер слайда 3"/>
+          <p:cNvSpPr>
+            <a:spLocks noGrp="1"/>
+          </p:cNvSpPr>
+          <p:nvPr>
+            <p:ph type="sldNum" sz="quarter" idx="10"/>
+          </p:nvPr>
+        </p:nvSpPr>
+        <p:spPr/>
+        <p:txBody>
+          <a:bodyPr/>
+          <a:lstStyle/>
+          <a:p>
+            <a:fld id="{9DF1553D-A1FB-43B9-A78A-E23F31901EE4}" type="slidenum">
+              <a:rPr lang="ru-RU" smtClean="0"/>
+              <a:t>2</a:t>
+            </a:fld>
+            <a:endParaRPr lang="ru-RU"/>
+          </a:p>
+        </p:txBody>
+      </p:sp>
+    </p:spTree>
+    <p:extLst>
+      <p:ext uri="{BB962C8B-B14F-4D97-AF65-F5344CB8AC3E}">
+        <p14:creationId xmlns:p14="http://schemas.microsoft.com/office/powerpoint/2010/main" val="2383716649"/>
+      </p:ext>
+    </p:extLst>
+  </p:cSld>
+  <p:clrMapOvr>
+    <a:masterClrMapping/>
+  </p:clrMapOvr>
+</p:notes>
+</file>
+
+<file path=ppt/notesSlides/notesSlide2.xml><?xml version="1.0" encoding="utf-8"?>
+<p:notes xmlns:a="http://schemas.openxmlformats.org/drawingml/2006/main" xmlns:r="http://schemas.openxmlformats.org/officeDocument/2006/relationships" xmlns:p="http://schemas.openxmlformats.org/presentationml/2006/main">
+  <p:cSld>
+    <p:spTree>
+      <p:nvGrpSpPr>
+        <p:cNvPr id="1" name=""/>
+        <p:cNvGrpSpPr/>
+        <p:nvPr/>
+      </p:nvGrpSpPr>
+      <p:grpSpPr>
+        <a:xfrm>
+          <a:off x="0" y="0"/>
+          <a:ext cx="0" cy="0"/>
+          <a:chOff x="0" y="0"/>
+          <a:chExt cx="0" cy="0"/>
+        </a:xfrm>
+      </p:grpSpPr>
+      <p:sp>
+        <p:nvSpPr>
+          <p:cNvPr id="2" name="Образ слайда 1"/>
+          <p:cNvSpPr>
+            <a:spLocks noGrp="1" noRot="1" noChangeAspect="1"/>
+          </p:cNvSpPr>
+          <p:nvPr>
+            <p:ph type="sldImg"/>
+          </p:nvPr>
+        </p:nvSpPr>
+        <p:spPr/>
+      </p:sp>
+      <p:sp>
+        <p:nvSpPr>
+          <p:cNvPr id="3" name="Заметки 2"/>
+          <p:cNvSpPr>
+            <a:spLocks noGrp="1"/>
+          </p:cNvSpPr>
+          <p:nvPr>
+            <p:ph type="body" idx="1"/>
+          </p:nvPr>
+        </p:nvSpPr>
+        <p:spPr/>
+        <p:txBody>
+          <a:bodyPr/>
+          <a:lstStyle/>
+          <a:p>
+            <a:r>
+              <a:rPr lang="ru-RU" dirty="0" smtClean="0"/>
+              <a:t>Сократить</a:t>
+            </a:r>
+            <a:r>
+              <a:rPr lang="ru-RU" baseline="0" dirty="0" smtClean="0"/>
+              <a:t> текст. Ключевые тезисы про то, что является проблемой.</a:t>
+            </a:r>
+            <a:endParaRPr lang="ru-RU" dirty="0"/>
+          </a:p>
+        </p:txBody>
+      </p:sp>
+      <p:sp>
+        <p:nvSpPr>
+          <p:cNvPr id="4" name="Номер слайда 3"/>
+          <p:cNvSpPr>
+            <a:spLocks noGrp="1"/>
+          </p:cNvSpPr>
+          <p:nvPr>
+            <p:ph type="sldNum" sz="quarter" idx="10"/>
+          </p:nvPr>
+        </p:nvSpPr>
+        <p:spPr/>
+        <p:txBody>
+          <a:bodyPr/>
+          <a:lstStyle/>
+          <a:p>
+            <a:fld id="{9DF1553D-A1FB-43B9-A78A-E23F31901EE4}" type="slidenum">
+              <a:rPr lang="ru-RU" smtClean="0"/>
+              <a:t>3</a:t>
+            </a:fld>
+            <a:endParaRPr lang="ru-RU"/>
+          </a:p>
+        </p:txBody>
+      </p:sp>
+    </p:spTree>
+    <p:extLst>
+      <p:ext uri="{BB962C8B-B14F-4D97-AF65-F5344CB8AC3E}">
+        <p14:creationId xmlns:p14="http://schemas.microsoft.com/office/powerpoint/2010/main" val="1526153192"/>
+      </p:ext>
+    </p:extLst>
+  </p:cSld>
+  <p:clrMapOvr>
+    <a:masterClrMapping/>
+  </p:clrMapOvr>
+</p:notes>
+</file>
+
+<file path=ppt/notesSlides/notesSlide3.xml><?xml version="1.0" encoding="utf-8"?>
+<p:notes xmlns:a="http://schemas.openxmlformats.org/drawingml/2006/main" xmlns:r="http://schemas.openxmlformats.org/officeDocument/2006/relationships" xmlns:p="http://schemas.openxmlformats.org/presentationml/2006/main">
+  <p:cSld>
+    <p:spTree>
+      <p:nvGrpSpPr>
+        <p:cNvPr id="1" name=""/>
+        <p:cNvGrpSpPr/>
+        <p:nvPr/>
+      </p:nvGrpSpPr>
+      <p:grpSpPr>
+        <a:xfrm>
+          <a:off x="0" y="0"/>
+          <a:ext cx="0" cy="0"/>
+          <a:chOff x="0" y="0"/>
+          <a:chExt cx="0" cy="0"/>
+        </a:xfrm>
+      </p:grpSpPr>
+      <p:sp>
+        <p:nvSpPr>
+          <p:cNvPr id="2" name="Образ слайда 1"/>
+          <p:cNvSpPr>
+            <a:spLocks noGrp="1" noRot="1" noChangeAspect="1"/>
+          </p:cNvSpPr>
+          <p:nvPr>
+            <p:ph type="sldImg"/>
+          </p:nvPr>
+        </p:nvSpPr>
+        <p:spPr/>
+      </p:sp>
+      <p:sp>
+        <p:nvSpPr>
+          <p:cNvPr id="3" name="Заметки 2"/>
+          <p:cNvSpPr>
+            <a:spLocks noGrp="1"/>
+          </p:cNvSpPr>
+          <p:nvPr>
+            <p:ph type="body" idx="1"/>
+          </p:nvPr>
+        </p:nvSpPr>
+        <p:spPr/>
+        <p:txBody>
+          <a:bodyPr/>
+          <a:lstStyle/>
+          <a:p>
+            <a:r>
+              <a:rPr lang="ru-RU" dirty="0" smtClean="0"/>
+              <a:t>Подсократить</a:t>
+            </a:r>
+            <a:r>
+              <a:rPr lang="ru-RU" baseline="0" dirty="0" smtClean="0"/>
+              <a:t> текст, выкинув лишние слова</a:t>
+            </a:r>
+            <a:endParaRPr lang="ru-RU" dirty="0"/>
+          </a:p>
+        </p:txBody>
+      </p:sp>
+      <p:sp>
+        <p:nvSpPr>
+          <p:cNvPr id="4" name="Номер слайда 3"/>
+          <p:cNvSpPr>
+            <a:spLocks noGrp="1"/>
+          </p:cNvSpPr>
+          <p:nvPr>
+            <p:ph type="sldNum" sz="quarter" idx="10"/>
+          </p:nvPr>
+        </p:nvSpPr>
+        <p:spPr/>
+        <p:txBody>
+          <a:bodyPr/>
+          <a:lstStyle/>
+          <a:p>
+            <a:fld id="{9DF1553D-A1FB-43B9-A78A-E23F31901EE4}" type="slidenum">
+              <a:rPr lang="ru-RU" smtClean="0"/>
+              <a:t>4</a:t>
+            </a:fld>
+            <a:endParaRPr lang="ru-RU"/>
+          </a:p>
+        </p:txBody>
+      </p:sp>
+    </p:spTree>
+    <p:extLst>
+      <p:ext uri="{BB962C8B-B14F-4D97-AF65-F5344CB8AC3E}">
+        <p14:creationId xmlns:p14="http://schemas.microsoft.com/office/powerpoint/2010/main" val="222783255"/>
+      </p:ext>
+    </p:extLst>
+  </p:cSld>
+  <p:clrMapOvr>
+    <a:masterClrMapping/>
+  </p:clrMapOvr>
+</p:notes>
 </file>
 
 <file path=ppt/slideLayouts/slideLayout1.xml><?xml version="1.0" encoding="utf-8"?>
@@ -2978,7 +3603,7 @@
           <p:nvPr/>
         </p:nvPicPr>
         <p:blipFill>
-          <a:blip r:embed="rId2" cstate="print"/>
+          <a:blip r:embed="rId3" cstate="print"/>
           <a:stretch>
             <a:fillRect/>
           </a:stretch>
@@ -3000,7 +3625,7 @@
           <p:nvPr/>
         </p:nvPicPr>
         <p:blipFill>
-          <a:blip r:embed="rId2" cstate="print"/>
+          <a:blip r:embed="rId3" cstate="print"/>
           <a:stretch>
             <a:fillRect/>
           </a:stretch>
@@ -3022,7 +3647,7 @@
           <p:nvPr/>
         </p:nvPicPr>
         <p:blipFill>
-          <a:blip r:embed="rId2" cstate="print"/>
+          <a:blip r:embed="rId3" cstate="print"/>
           <a:stretch>
             <a:fillRect/>
           </a:stretch>
@@ -3044,7 +3669,7 @@
           <p:nvPr/>
         </p:nvPicPr>
         <p:blipFill>
-          <a:blip r:embed="rId3" cstate="print"/>
+          <a:blip r:embed="rId4" cstate="print"/>
           <a:stretch>
             <a:fillRect/>
           </a:stretch>
@@ -3066,7 +3691,7 @@
           <p:nvPr/>
         </p:nvPicPr>
         <p:blipFill>
-          <a:blip r:embed="rId2" cstate="print"/>
+          <a:blip r:embed="rId3" cstate="print"/>
           <a:stretch>
             <a:fillRect/>
           </a:stretch>
@@ -3088,7 +3713,7 @@
           <p:nvPr/>
         </p:nvPicPr>
         <p:blipFill>
-          <a:blip r:embed="rId2" cstate="print"/>
+          <a:blip r:embed="rId3" cstate="print"/>
           <a:stretch>
             <a:fillRect/>
           </a:stretch>
@@ -3110,7 +3735,7 @@
           <p:nvPr/>
         </p:nvPicPr>
         <p:blipFill>
-          <a:blip r:embed="rId2" cstate="print"/>
+          <a:blip r:embed="rId3" cstate="print"/>
           <a:stretch>
             <a:fillRect/>
           </a:stretch>
@@ -3132,7 +3757,7 @@
           <p:nvPr/>
         </p:nvPicPr>
         <p:blipFill>
-          <a:blip r:embed="rId2" cstate="print"/>
+          <a:blip r:embed="rId3" cstate="print"/>
           <a:stretch>
             <a:fillRect/>
           </a:stretch>
@@ -3154,7 +3779,7 @@
           <p:nvPr/>
         </p:nvPicPr>
         <p:blipFill>
-          <a:blip r:embed="rId2" cstate="print"/>
+          <a:blip r:embed="rId3" cstate="print"/>
           <a:stretch>
             <a:fillRect/>
           </a:stretch>
@@ -3176,7 +3801,7 @@
           <p:nvPr/>
         </p:nvPicPr>
         <p:blipFill>
-          <a:blip r:embed="rId2" cstate="print"/>
+          <a:blip r:embed="rId3" cstate="print"/>
           <a:stretch>
             <a:fillRect/>
           </a:stretch>
@@ -3198,7 +3823,7 @@
           <p:nvPr/>
         </p:nvPicPr>
         <p:blipFill>
-          <a:blip r:embed="rId2" cstate="print"/>
+          <a:blip r:embed="rId3" cstate="print"/>
           <a:stretch>
             <a:fillRect/>
           </a:stretch>
@@ -3220,7 +3845,7 @@
           <p:nvPr/>
         </p:nvPicPr>
         <p:blipFill>
-          <a:blip r:embed="rId2" cstate="print"/>
+          <a:blip r:embed="rId3" cstate="print"/>
           <a:stretch>
             <a:fillRect/>
           </a:stretch>
@@ -3242,7 +3867,7 @@
           <p:nvPr/>
         </p:nvPicPr>
         <p:blipFill>
-          <a:blip r:embed="rId2" cstate="print"/>
+          <a:blip r:embed="rId3" cstate="print"/>
           <a:stretch>
             <a:fillRect/>
           </a:stretch>
@@ -3305,7 +3930,7 @@
           <p:nvPr/>
         </p:nvPicPr>
         <p:blipFill>
-          <a:blip r:embed="rId4" cstate="print"/>
+          <a:blip r:embed="rId5" cstate="print"/>
           <a:stretch>
             <a:fillRect/>
           </a:stretch>
@@ -3327,7 +3952,7 @@
           <p:nvPr/>
         </p:nvPicPr>
         <p:blipFill>
-          <a:blip r:embed="rId5" cstate="print"/>
+          <a:blip r:embed="rId6" cstate="print"/>
           <a:stretch>
             <a:fillRect/>
           </a:stretch>
@@ -3349,7 +3974,7 @@
           <p:nvPr/>
         </p:nvPicPr>
         <p:blipFill>
-          <a:blip r:embed="rId6" cstate="print"/>
+          <a:blip r:embed="rId7" cstate="print"/>
           <a:stretch>
             <a:fillRect/>
           </a:stretch>
@@ -4431,7 +5056,7 @@
           <p:nvPr/>
         </p:nvPicPr>
         <p:blipFill>
-          <a:blip r:embed="rId7" cstate="print"/>
+          <a:blip r:embed="rId8" cstate="print"/>
           <a:stretch>
             <a:fillRect/>
           </a:stretch>
@@ -4455,7 +5080,7 @@
           <p:nvPr/>
         </p:nvPicPr>
         <p:blipFill>
-          <a:blip r:embed="rId8"/>
+          <a:blip r:embed="rId9"/>
           <a:stretch>
             <a:fillRect/>
           </a:stretch>
@@ -4479,7 +5104,7 @@
           <p:nvPr/>
         </p:nvPicPr>
         <p:blipFill>
-          <a:blip r:embed="rId9"/>
+          <a:blip r:embed="rId10"/>
           <a:stretch>
             <a:fillRect/>
           </a:stretch>
@@ -4503,7 +5128,7 @@
           <p:nvPr/>
         </p:nvPicPr>
         <p:blipFill>
-          <a:blip r:embed="rId10"/>
+          <a:blip r:embed="rId11"/>
           <a:stretch>
             <a:fillRect/>
           </a:stretch>
@@ -4692,7 +5317,7 @@
           <p:nvPr/>
         </p:nvPicPr>
         <p:blipFill>
-          <a:blip r:embed="rId2" cstate="print"/>
+          <a:blip r:embed="rId3" cstate="print"/>
           <a:stretch>
             <a:fillRect/>
           </a:stretch>
@@ -4714,7 +5339,7 @@
           <p:nvPr/>
         </p:nvPicPr>
         <p:blipFill>
-          <a:blip r:embed="rId2" cstate="print"/>
+          <a:blip r:embed="rId3" cstate="print"/>
           <a:stretch>
             <a:fillRect/>
           </a:stretch>
@@ -4736,7 +5361,7 @@
           <p:nvPr/>
         </p:nvPicPr>
         <p:blipFill>
-          <a:blip r:embed="rId2" cstate="print"/>
+          <a:blip r:embed="rId3" cstate="print"/>
           <a:stretch>
             <a:fillRect/>
           </a:stretch>
@@ -4758,7 +5383,7 @@
           <p:nvPr/>
         </p:nvPicPr>
         <p:blipFill>
-          <a:blip r:embed="rId3" cstate="print"/>
+          <a:blip r:embed="rId4" cstate="print"/>
           <a:stretch>
             <a:fillRect/>
           </a:stretch>
@@ -4780,7 +5405,7 @@
           <p:nvPr/>
         </p:nvPicPr>
         <p:blipFill>
-          <a:blip r:embed="rId2" cstate="print"/>
+          <a:blip r:embed="rId3" cstate="print"/>
           <a:stretch>
             <a:fillRect/>
           </a:stretch>
@@ -4802,7 +5427,7 @@
           <p:nvPr/>
         </p:nvPicPr>
         <p:blipFill>
-          <a:blip r:embed="rId2" cstate="print"/>
+          <a:blip r:embed="rId3" cstate="print"/>
           <a:stretch>
             <a:fillRect/>
           </a:stretch>
@@ -4824,7 +5449,7 @@
           <p:nvPr/>
         </p:nvPicPr>
         <p:blipFill>
-          <a:blip r:embed="rId2" cstate="print"/>
+          <a:blip r:embed="rId3" cstate="print"/>
           <a:stretch>
             <a:fillRect/>
           </a:stretch>
@@ -4846,7 +5471,7 @@
           <p:nvPr/>
         </p:nvPicPr>
         <p:blipFill>
-          <a:blip r:embed="rId2" cstate="print"/>
+          <a:blip r:embed="rId3" cstate="print"/>
           <a:stretch>
             <a:fillRect/>
           </a:stretch>
@@ -4868,7 +5493,7 @@
           <p:nvPr/>
         </p:nvPicPr>
         <p:blipFill>
-          <a:blip r:embed="rId2" cstate="print"/>
+          <a:blip r:embed="rId3" cstate="print"/>
           <a:stretch>
             <a:fillRect/>
           </a:stretch>
@@ -4890,7 +5515,7 @@
           <p:nvPr/>
         </p:nvPicPr>
         <p:blipFill>
-          <a:blip r:embed="rId2" cstate="print"/>
+          <a:blip r:embed="rId3" cstate="print"/>
           <a:stretch>
             <a:fillRect/>
           </a:stretch>
@@ -4912,7 +5537,7 @@
           <p:nvPr/>
         </p:nvPicPr>
         <p:blipFill>
-          <a:blip r:embed="rId2" cstate="print"/>
+          <a:blip r:embed="rId3" cstate="print"/>
           <a:stretch>
             <a:fillRect/>
           </a:stretch>
@@ -4934,7 +5559,7 @@
           <p:nvPr/>
         </p:nvPicPr>
         <p:blipFill>
-          <a:blip r:embed="rId2" cstate="print"/>
+          <a:blip r:embed="rId3" cstate="print"/>
           <a:stretch>
             <a:fillRect/>
           </a:stretch>
@@ -4956,7 +5581,7 @@
           <p:nvPr/>
         </p:nvPicPr>
         <p:blipFill>
-          <a:blip r:embed="rId2" cstate="print"/>
+          <a:blip r:embed="rId3" cstate="print"/>
           <a:stretch>
             <a:fillRect/>
           </a:stretch>
@@ -6056,7 +6681,7 @@
           <p:nvPr/>
         </p:nvPicPr>
         <p:blipFill>
-          <a:blip r:embed="rId4" cstate="print"/>
+          <a:blip r:embed="rId5" cstate="print"/>
           <a:stretch>
             <a:fillRect/>
           </a:stretch>
@@ -6078,7 +6703,7 @@
           <p:nvPr/>
         </p:nvPicPr>
         <p:blipFill>
-          <a:blip r:embed="rId5" cstate="print"/>
+          <a:blip r:embed="rId6" cstate="print"/>
           <a:stretch>
             <a:fillRect/>
           </a:stretch>
@@ -6100,7 +6725,7 @@
           <p:nvPr/>
         </p:nvPicPr>
         <p:blipFill>
-          <a:blip r:embed="rId6" cstate="print"/>
+          <a:blip r:embed="rId7" cstate="print"/>
           <a:stretch>
             <a:fillRect/>
           </a:stretch>
@@ -6159,7 +6784,7 @@
           <p:nvPr/>
         </p:nvPicPr>
         <p:blipFill>
-          <a:blip r:embed="rId7" cstate="print"/>
+          <a:blip r:embed="rId8" cstate="print"/>
           <a:stretch>
             <a:fillRect/>
           </a:stretch>
@@ -6311,7 +6936,7 @@
           <p:nvPr/>
         </p:nvPicPr>
         <p:blipFill>
-          <a:blip r:embed="rId2" cstate="print"/>
+          <a:blip r:embed="rId3" cstate="print"/>
           <a:stretch>
             <a:fillRect/>
           </a:stretch>
@@ -6333,7 +6958,7 @@
           <p:nvPr/>
         </p:nvPicPr>
         <p:blipFill>
-          <a:blip r:embed="rId2" cstate="print"/>
+          <a:blip r:embed="rId3" cstate="print"/>
           <a:stretch>
             <a:fillRect/>
           </a:stretch>
@@ -6355,7 +6980,7 @@
           <p:nvPr/>
         </p:nvPicPr>
         <p:blipFill>
-          <a:blip r:embed="rId2" cstate="print"/>
+          <a:blip r:embed="rId3" cstate="print"/>
           <a:stretch>
             <a:fillRect/>
           </a:stretch>
@@ -6377,7 +7002,7 @@
           <p:nvPr/>
         </p:nvPicPr>
         <p:blipFill>
-          <a:blip r:embed="rId3" cstate="print"/>
+          <a:blip r:embed="rId4" cstate="print"/>
           <a:stretch>
             <a:fillRect/>
           </a:stretch>
@@ -6399,7 +7024,7 @@
           <p:nvPr/>
         </p:nvPicPr>
         <p:blipFill>
-          <a:blip r:embed="rId2" cstate="print"/>
+          <a:blip r:embed="rId3" cstate="print"/>
           <a:stretch>
             <a:fillRect/>
           </a:stretch>
@@ -6421,7 +7046,7 @@
           <p:nvPr/>
         </p:nvPicPr>
         <p:blipFill>
-          <a:blip r:embed="rId2" cstate="print"/>
+          <a:blip r:embed="rId3" cstate="print"/>
           <a:stretch>
             <a:fillRect/>
           </a:stretch>
@@ -6443,7 +7068,7 @@
           <p:nvPr/>
         </p:nvPicPr>
         <p:blipFill>
-          <a:blip r:embed="rId2" cstate="print"/>
+          <a:blip r:embed="rId3" cstate="print"/>
           <a:stretch>
             <a:fillRect/>
           </a:stretch>
@@ -6465,7 +7090,7 @@
           <p:nvPr/>
         </p:nvPicPr>
         <p:blipFill>
-          <a:blip r:embed="rId2" cstate="print"/>
+          <a:blip r:embed="rId3" cstate="print"/>
           <a:stretch>
             <a:fillRect/>
           </a:stretch>
@@ -6487,7 +7112,7 @@
           <p:nvPr/>
         </p:nvPicPr>
         <p:blipFill>
-          <a:blip r:embed="rId2" cstate="print"/>
+          <a:blip r:embed="rId3" cstate="print"/>
           <a:stretch>
             <a:fillRect/>
           </a:stretch>
@@ -6509,7 +7134,7 @@
           <p:nvPr/>
         </p:nvPicPr>
         <p:blipFill>
-          <a:blip r:embed="rId2" cstate="print"/>
+          <a:blip r:embed="rId3" cstate="print"/>
           <a:stretch>
             <a:fillRect/>
           </a:stretch>
@@ -6531,7 +7156,7 @@
           <p:nvPr/>
         </p:nvPicPr>
         <p:blipFill>
-          <a:blip r:embed="rId2" cstate="print"/>
+          <a:blip r:embed="rId3" cstate="print"/>
           <a:stretch>
             <a:fillRect/>
           </a:stretch>
@@ -6553,7 +7178,7 @@
           <p:nvPr/>
         </p:nvPicPr>
         <p:blipFill>
-          <a:blip r:embed="rId2" cstate="print"/>
+          <a:blip r:embed="rId3" cstate="print"/>
           <a:stretch>
             <a:fillRect/>
           </a:stretch>
@@ -6575,7 +7200,7 @@
           <p:nvPr/>
         </p:nvPicPr>
         <p:blipFill>
-          <a:blip r:embed="rId2" cstate="print"/>
+          <a:blip r:embed="rId3" cstate="print"/>
           <a:stretch>
             <a:fillRect/>
           </a:stretch>
@@ -6642,7 +7267,7 @@
           <p:nvPr/>
         </p:nvPicPr>
         <p:blipFill>
-          <a:blip r:embed="rId4" cstate="print"/>
+          <a:blip r:embed="rId5" cstate="print"/>
           <a:stretch>
             <a:fillRect/>
           </a:stretch>
@@ -6664,7 +7289,7 @@
           <p:nvPr/>
         </p:nvPicPr>
         <p:blipFill>
-          <a:blip r:embed="rId5" cstate="print"/>
+          <a:blip r:embed="rId6" cstate="print"/>
           <a:stretch>
             <a:fillRect/>
           </a:stretch>
@@ -6686,7 +7311,7 @@
           <p:nvPr/>
         </p:nvPicPr>
         <p:blipFill>
-          <a:blip r:embed="rId6" cstate="print"/>
+          <a:blip r:embed="rId7" cstate="print"/>
           <a:stretch>
             <a:fillRect/>
           </a:stretch>
@@ -6747,7 +7372,7 @@
         <p:spPr>
           <a:xfrm>
             <a:off x="6533201" y="1418897"/>
-            <a:ext cx="4980433" cy="4691669"/>
+            <a:ext cx="4980433" cy="3983783"/>
           </a:xfrm>
           <a:prstGeom prst="rect">
             <a:avLst/>
@@ -6770,6 +7395,16 @@
               <a:buChar char="•"/>
             </a:pPr>
             <a:r>
+              <a:rPr lang="ru-RU" sz="2000" spc="-60" dirty="0">
+                <a:solidFill>
+                  <a:srgbClr val="FFFFFF"/>
+                </a:solidFill>
+                <a:latin typeface="Verdana"/>
+                <a:cs typeface="Verdana"/>
+              </a:rPr>
+              <a:t>М</a:t>
+            </a:r>
+            <a:r>
               <a:rPr lang="ru-RU" sz="2000" spc="-60" dirty="0" smtClean="0">
                 <a:solidFill>
                   <a:srgbClr val="FFFFFF"/>
@@ -6777,7 +7412,7 @@
                 <a:latin typeface="Verdana"/>
                 <a:cs typeface="Verdana"/>
               </a:rPr>
-              <a:t>Используется</a:t>
+              <a:t>одель</a:t>
             </a:r>
             <a:r>
               <a:rPr lang="en-US" sz="2000" spc="-60" dirty="0" smtClean="0">
@@ -6787,27 +7422,7 @@
                 <a:latin typeface="Verdana"/>
                 <a:cs typeface="Verdana"/>
               </a:rPr>
-              <a:t> </a:t>
-            </a:r>
-            <a:r>
-              <a:rPr lang="ru-RU" sz="2000" spc="-60" dirty="0" smtClean="0">
-                <a:solidFill>
-                  <a:srgbClr val="FFFFFF"/>
-                </a:solidFill>
-                <a:latin typeface="Verdana"/>
-                <a:cs typeface="Verdana"/>
-              </a:rPr>
-              <a:t>модель</a:t>
-            </a:r>
-            <a:r>
-              <a:rPr lang="en-US" sz="2000" spc="-60" dirty="0" smtClean="0">
-                <a:solidFill>
-                  <a:srgbClr val="FFFFFF"/>
-                </a:solidFill>
-                <a:latin typeface="Verdana"/>
-                <a:cs typeface="Verdana"/>
-              </a:rPr>
-              <a:t> </a:t>
+              <a:t> ResNet50 </a:t>
             </a:r>
             <a:r>
               <a:rPr lang="en-US" sz="2000" spc="-60" dirty="0">
@@ -6817,7 +7432,7 @@
                 <a:latin typeface="Verdana"/>
                 <a:cs typeface="Verdana"/>
               </a:rPr>
-              <a:t>ResNet50 (slowfast_r50</a:t>
+              <a:t>(slowfast_r50</a:t>
             </a:r>
             <a:r>
               <a:rPr lang="en-US" sz="2000" spc="-60" dirty="0" smtClean="0">
@@ -6856,7 +7471,17 @@
                 <a:latin typeface="Verdana"/>
                 <a:cs typeface="Verdana"/>
               </a:rPr>
-              <a:t>Была протестирована </a:t>
+              <a:t>П</a:t>
+            </a:r>
+            <a:r>
+              <a:rPr lang="ru-RU" sz="2000" spc="-60" dirty="0" smtClean="0">
+                <a:solidFill>
+                  <a:srgbClr val="FFFFFF"/>
+                </a:solidFill>
+                <a:latin typeface="Verdana"/>
+                <a:cs typeface="Verdana"/>
+              </a:rPr>
+              <a:t>ротестирована </a:t>
             </a:r>
             <a:r>
               <a:rPr lang="ru-RU" sz="2000" spc="-60" dirty="0" err="1">
@@ -7041,7 +7666,7 @@
           <p:nvPr/>
         </p:nvPicPr>
         <p:blipFill rotWithShape="1">
-          <a:blip r:embed="rId7" cstate="print">
+          <a:blip r:embed="rId8" cstate="print">
             <a:extLst>
               <a:ext uri="{28A0092B-C50C-407E-A947-70E740481C1C}">
                 <a14:useLocalDpi xmlns:a14="http://schemas.microsoft.com/office/drawing/2010/main" val="0"/>
@@ -7586,7 +8211,7 @@
         <p:spPr>
           <a:xfrm>
             <a:off x="801116" y="507314"/>
-            <a:ext cx="8467852" cy="751488"/>
+            <a:ext cx="10476484" cy="751488"/>
           </a:xfrm>
           <a:prstGeom prst="rect">
             <a:avLst/>
@@ -7607,8 +8232,8 @@
               </a:spcBef>
             </a:pPr>
             <a:r>
-              <a:rPr lang="ru-RU" sz="4800" spc="-185" dirty="0"/>
-              <a:t>Результат работы модели</a:t>
+              <a:rPr lang="ru-RU" sz="4800" spc="-185" dirty="0" smtClean="0"/>
+              <a:t>Архитектура системы</a:t>
             </a:r>
             <a:endParaRPr sz="4800" dirty="0"/>
           </a:p>
@@ -7726,15 +8351,21 @@
           <p:nvPr/>
         </p:nvPicPr>
         <p:blipFill>
-          <a:blip r:embed="rId7"/>
-          <a:stretch>
-            <a:fillRect/>
-          </a:stretch>
-        </p:blipFill>
-        <p:spPr>
-          <a:xfrm>
-            <a:off x="3556910" y="1624348"/>
-            <a:ext cx="4803858" cy="3602894"/>
+          <a:blip r:embed="rId7">
+            <a:extLst>
+              <a:ext uri="{28A0092B-C50C-407E-A947-70E740481C1C}">
+                <a14:useLocalDpi xmlns:a14="http://schemas.microsoft.com/office/drawing/2010/main" val="0"/>
+              </a:ext>
+            </a:extLst>
+          </a:blip>
+          <a:stretch>
+            <a:fillRect/>
+          </a:stretch>
+        </p:blipFill>
+        <p:spPr>
+          <a:xfrm>
+            <a:off x="2237911" y="1428717"/>
+            <a:ext cx="7602894" cy="4534483"/>
           </a:xfrm>
           <a:prstGeom prst="rect">
             <a:avLst/>
@@ -7744,7 +8375,7 @@
     </p:spTree>
     <p:extLst>
       <p:ext uri="{BB962C8B-B14F-4D97-AF65-F5344CB8AC3E}">
-        <p14:creationId xmlns:p14="http://schemas.microsoft.com/office/powerpoint/2010/main" val="1153335784"/>
+        <p14:creationId xmlns:p14="http://schemas.microsoft.com/office/powerpoint/2010/main" val="98604051"/>
       </p:ext>
     </p:extLst>
   </p:cSld>
@@ -7779,7 +8410,7 @@
         </p:nvSpPr>
         <p:spPr>
           <a:xfrm>
-            <a:off x="0" y="-130863"/>
+            <a:off x="0" y="0"/>
             <a:ext cx="12192000" cy="6858000"/>
           </a:xfrm>
           <a:custGeom>
@@ -8212,7 +8843,7 @@
         <p:spPr>
           <a:xfrm>
             <a:off x="801116" y="507314"/>
-            <a:ext cx="10476484" cy="751488"/>
+            <a:ext cx="8467852" cy="751488"/>
           </a:xfrm>
           <a:prstGeom prst="rect">
             <a:avLst/>
@@ -8233,8 +8864,8 @@
               </a:spcBef>
             </a:pPr>
             <a:r>
-              <a:rPr lang="ru-RU" sz="4800" spc="-185" dirty="0" err="1" smtClean="0"/>
-              <a:t>Фишечки</a:t>
+              <a:rPr lang="ru-RU" sz="4800" spc="-185" dirty="0"/>
+              <a:t>Результат работы модели</a:t>
             </a:r>
             <a:endParaRPr sz="4800" dirty="0"/>
           </a:p>
@@ -8345,21 +8976,22 @@
       </p:sp>
       <p:pic>
         <p:nvPicPr>
-          <p:cNvPr id="23" name="Рисунок 22"/>
+          <p:cNvPr id="17" name="Рисунок 16"/>
           <p:cNvPicPr>
             <a:picLocks noChangeAspect="1"/>
           </p:cNvPicPr>
           <p:nvPr/>
         </p:nvPicPr>
-        <p:blipFill rotWithShape="1">
+        <p:blipFill>
           <a:blip r:embed="rId7"/>
-          <a:srcRect t="12477" b="10150"/>
-          <a:stretch/>
-        </p:blipFill>
-        <p:spPr>
-          <a:xfrm>
-            <a:off x="6373368" y="1881966"/>
-            <a:ext cx="5200142" cy="3900698"/>
+          <a:stretch>
+            <a:fillRect/>
+          </a:stretch>
+        </p:blipFill>
+        <p:spPr>
+          <a:xfrm>
+            <a:off x="3556910" y="1624348"/>
+            <a:ext cx="4803858" cy="3602894"/>
           </a:xfrm>
           <a:prstGeom prst="rect">
             <a:avLst/>
@@ -8368,14 +9000,14 @@
       </p:pic>
       <p:sp>
         <p:nvSpPr>
-          <p:cNvPr id="24" name="Прямоугольник 23"/>
+          <p:cNvPr id="23" name="Прямоугольник 22"/>
           <p:cNvSpPr/>
           <p:nvPr/>
         </p:nvSpPr>
         <p:spPr>
           <a:xfrm>
-            <a:off x="8256095" y="1385718"/>
-            <a:ext cx="1434688" cy="369332"/>
+            <a:off x="2240126" y="3236256"/>
+            <a:ext cx="891911" cy="379078"/>
           </a:xfrm>
           <a:prstGeom prst="rect">
             <a:avLst/>
@@ -8387,7 +9019,14 @@
           </a:bodyPr>
           <a:lstStyle/>
           <a:p>
-            <a:pPr algn="ctr"/>
+            <a:pPr marL="12700" marR="5080">
+              <a:lnSpc>
+                <a:spcPct val="114999"/>
+              </a:lnSpc>
+              <a:spcBef>
+                <a:spcPts val="105"/>
+              </a:spcBef>
+            </a:pPr>
             <a:r>
               <a:rPr lang="ru-RU" spc="-60" dirty="0" smtClean="0">
                 <a:solidFill>
@@ -8396,140 +9035,22 @@
                 <a:latin typeface="Verdana"/>
                 <a:cs typeface="Verdana"/>
               </a:rPr>
-              <a:t>Интерфейс</a:t>
-            </a:r>
-            <a:endParaRPr lang="ru-RU" dirty="0"/>
+              <a:t>Видео</a:t>
+            </a:r>
+            <a:endParaRPr lang="ru-RU" spc="-60" dirty="0">
+              <a:solidFill>
+                <a:srgbClr val="FFFFFF"/>
+              </a:solidFill>
+              <a:latin typeface="Verdana"/>
+              <a:cs typeface="Verdana"/>
+            </a:endParaRPr>
           </a:p>
         </p:txBody>
       </p:sp>
-      <p:pic>
-        <p:nvPicPr>
-          <p:cNvPr id="25" name="Рисунок 24"/>
-          <p:cNvPicPr>
-            <a:picLocks noChangeAspect="1"/>
-          </p:cNvPicPr>
-          <p:nvPr/>
-        </p:nvPicPr>
-        <p:blipFill>
-          <a:blip r:embed="rId8">
-            <a:extLst>
-              <a:ext uri="{28A0092B-C50C-407E-A947-70E740481C1C}">
-                <a14:useLocalDpi xmlns:a14="http://schemas.microsoft.com/office/drawing/2010/main" val="0"/>
-              </a:ext>
-            </a:extLst>
-          </a:blip>
-          <a:stretch>
-            <a:fillRect/>
-          </a:stretch>
-        </p:blipFill>
-        <p:spPr>
-          <a:xfrm>
-            <a:off x="1082220" y="2444806"/>
-            <a:ext cx="2894444" cy="2369176"/>
-          </a:xfrm>
-          <a:prstGeom prst="rect">
-            <a:avLst/>
-          </a:prstGeom>
-        </p:spPr>
-      </p:pic>
-      <p:pic>
-        <p:nvPicPr>
-          <p:cNvPr id="26" name="Рисунок 25"/>
-          <p:cNvPicPr>
-            <a:picLocks noChangeAspect="1"/>
-          </p:cNvPicPr>
-          <p:nvPr/>
-        </p:nvPicPr>
-        <p:blipFill>
-          <a:blip r:embed="rId9" cstate="print">
-            <a:extLst>
-              <a:ext uri="{28A0092B-C50C-407E-A947-70E740481C1C}">
-                <a14:useLocalDpi xmlns:a14="http://schemas.microsoft.com/office/drawing/2010/main" val="0"/>
-              </a:ext>
-            </a:extLst>
-          </a:blip>
-          <a:stretch>
-            <a:fillRect/>
-          </a:stretch>
-        </p:blipFill>
-        <p:spPr>
-          <a:xfrm>
-            <a:off x="2438061" y="2049799"/>
-            <a:ext cx="2504488" cy="2504488"/>
-          </a:xfrm>
-          <a:prstGeom prst="rect">
-            <a:avLst/>
-          </a:prstGeom>
-        </p:spPr>
-      </p:pic>
-      <p:sp>
-        <p:nvSpPr>
-          <p:cNvPr id="27" name="Прямоугольник 26"/>
-          <p:cNvSpPr/>
-          <p:nvPr/>
-        </p:nvSpPr>
-        <p:spPr>
-          <a:xfrm>
-            <a:off x="1955598" y="1385718"/>
-            <a:ext cx="2021066" cy="369332"/>
-          </a:xfrm>
-          <a:prstGeom prst="rect">
-            <a:avLst/>
-          </a:prstGeom>
-        </p:spPr>
-        <p:txBody>
-          <a:bodyPr wrap="none">
-            <a:spAutoFit/>
-          </a:bodyPr>
-          <a:lstStyle/>
-          <a:p>
-            <a:r>
-              <a:rPr lang="ru-RU" spc="-60" dirty="0" smtClean="0">
-                <a:solidFill>
-                  <a:srgbClr val="FFFFFF"/>
-                </a:solidFill>
-                <a:latin typeface="Verdana"/>
-              </a:rPr>
-              <a:t>Погодные шумы</a:t>
-            </a:r>
-            <a:endParaRPr lang="ru-RU" dirty="0"/>
-          </a:p>
-        </p:txBody>
-      </p:sp>
-      <p:pic>
-        <p:nvPicPr>
-          <p:cNvPr id="17" name="Рисунок 16"/>
-          <p:cNvPicPr>
-            <a:picLocks noChangeAspect="1"/>
-          </p:cNvPicPr>
-          <p:nvPr/>
-        </p:nvPicPr>
-        <p:blipFill>
-          <a:blip r:embed="rId10" cstate="print">
-            <a:extLst>
-              <a:ext uri="{28A0092B-C50C-407E-A947-70E740481C1C}">
-                <a14:useLocalDpi xmlns:a14="http://schemas.microsoft.com/office/drawing/2010/main" val="0"/>
-              </a:ext>
-            </a:extLst>
-          </a:blip>
-          <a:stretch>
-            <a:fillRect/>
-          </a:stretch>
-        </p:blipFill>
-        <p:spPr>
-          <a:xfrm>
-            <a:off x="2254951" y="3200721"/>
-            <a:ext cx="2204656" cy="2449194"/>
-          </a:xfrm>
-          <a:prstGeom prst="rect">
-            <a:avLst/>
-          </a:prstGeom>
-        </p:spPr>
-      </p:pic>
     </p:spTree>
     <p:extLst>
       <p:ext uri="{BB962C8B-B14F-4D97-AF65-F5344CB8AC3E}">
-        <p14:creationId xmlns:p14="http://schemas.microsoft.com/office/powerpoint/2010/main" val="858241529"/>
+        <p14:creationId xmlns:p14="http://schemas.microsoft.com/office/powerpoint/2010/main" val="1153335784"/>
       </p:ext>
     </p:extLst>
   </p:cSld>
@@ -8564,7 +9085,7 @@
         </p:nvSpPr>
         <p:spPr>
           <a:xfrm>
-            <a:off x="0" y="0"/>
+            <a:off x="0" y="-130863"/>
             <a:ext cx="12192000" cy="6858000"/>
           </a:xfrm>
           <a:custGeom>
@@ -9019,7 +9540,7 @@
             </a:pPr>
             <a:r>
               <a:rPr lang="ru-RU" sz="4800" spc="-185" dirty="0" smtClean="0"/>
-              <a:t>Архитектура системы</a:t>
+              <a:t>Особенности решения</a:t>
             </a:r>
             <a:endParaRPr sz="4800" dirty="0"/>
           </a:p>
@@ -9130,14 +9651,73 @@
       </p:sp>
       <p:pic>
         <p:nvPicPr>
-          <p:cNvPr id="17" name="Рисунок 16"/>
+          <p:cNvPr id="23" name="Рисунок 22"/>
           <p:cNvPicPr>
             <a:picLocks noChangeAspect="1"/>
           </p:cNvPicPr>
           <p:nvPr/>
         </p:nvPicPr>
-        <p:blipFill>
-          <a:blip r:embed="rId7">
+        <p:blipFill rotWithShape="1">
+          <a:blip r:embed="rId7"/>
+          <a:srcRect t="12477" b="10150"/>
+          <a:stretch/>
+        </p:blipFill>
+        <p:spPr>
+          <a:xfrm>
+            <a:off x="6373368" y="1881966"/>
+            <a:ext cx="5200142" cy="3900698"/>
+          </a:xfrm>
+          <a:prstGeom prst="rect">
+            <a:avLst/>
+          </a:prstGeom>
+        </p:spPr>
+      </p:pic>
+      <p:sp>
+        <p:nvSpPr>
+          <p:cNvPr id="24" name="Прямоугольник 23"/>
+          <p:cNvSpPr/>
+          <p:nvPr/>
+        </p:nvSpPr>
+        <p:spPr>
+          <a:xfrm>
+            <a:off x="8256095" y="1385718"/>
+            <a:ext cx="1434688" cy="369332"/>
+          </a:xfrm>
+          <a:prstGeom prst="rect">
+            <a:avLst/>
+          </a:prstGeom>
+        </p:spPr>
+        <p:txBody>
+          <a:bodyPr wrap="none">
+            <a:spAutoFit/>
+          </a:bodyPr>
+          <a:lstStyle/>
+          <a:p>
+            <a:pPr algn="ctr"/>
+            <a:r>
+              <a:rPr lang="ru-RU" spc="-60" dirty="0" smtClean="0">
+                <a:solidFill>
+                  <a:srgbClr val="FFFFFF"/>
+                </a:solidFill>
+                <a:latin typeface="Verdana"/>
+                <a:cs typeface="Verdana"/>
+              </a:rPr>
+              <a:t>Интерфейс</a:t>
+            </a:r>
+            <a:endParaRPr lang="ru-RU" dirty="0"/>
+          </a:p>
+        </p:txBody>
+      </p:sp>
+      <p:pic>
+        <p:nvPicPr>
+          <p:cNvPr id="25" name="Рисунок 24"/>
+          <p:cNvPicPr>
+            <a:picLocks noChangeAspect="1"/>
+          </p:cNvPicPr>
+          <p:nvPr/>
+        </p:nvPicPr>
+        <p:blipFill>
+          <a:blip r:embed="rId8">
             <a:extLst>
               <a:ext uri="{28A0092B-C50C-407E-A947-70E740481C1C}">
                 <a14:useLocalDpi xmlns:a14="http://schemas.microsoft.com/office/drawing/2010/main" val="0"/>
@@ -9150,8 +9730,102 @@
         </p:blipFill>
         <p:spPr>
           <a:xfrm>
-            <a:off x="2237911" y="1428717"/>
-            <a:ext cx="7602894" cy="4534483"/>
+            <a:off x="1082220" y="2444806"/>
+            <a:ext cx="2894444" cy="2369176"/>
+          </a:xfrm>
+          <a:prstGeom prst="rect">
+            <a:avLst/>
+          </a:prstGeom>
+        </p:spPr>
+      </p:pic>
+      <p:pic>
+        <p:nvPicPr>
+          <p:cNvPr id="26" name="Рисунок 25"/>
+          <p:cNvPicPr>
+            <a:picLocks noChangeAspect="1"/>
+          </p:cNvPicPr>
+          <p:nvPr/>
+        </p:nvPicPr>
+        <p:blipFill>
+          <a:blip r:embed="rId9" cstate="print">
+            <a:extLst>
+              <a:ext uri="{28A0092B-C50C-407E-A947-70E740481C1C}">
+                <a14:useLocalDpi xmlns:a14="http://schemas.microsoft.com/office/drawing/2010/main" val="0"/>
+              </a:ext>
+            </a:extLst>
+          </a:blip>
+          <a:stretch>
+            <a:fillRect/>
+          </a:stretch>
+        </p:blipFill>
+        <p:spPr>
+          <a:xfrm>
+            <a:off x="2438061" y="2049799"/>
+            <a:ext cx="2504488" cy="2504488"/>
+          </a:xfrm>
+          <a:prstGeom prst="rect">
+            <a:avLst/>
+          </a:prstGeom>
+        </p:spPr>
+      </p:pic>
+      <p:sp>
+        <p:nvSpPr>
+          <p:cNvPr id="27" name="Прямоугольник 26"/>
+          <p:cNvSpPr/>
+          <p:nvPr/>
+        </p:nvSpPr>
+        <p:spPr>
+          <a:xfrm>
+            <a:off x="1955598" y="1385718"/>
+            <a:ext cx="2021066" cy="369332"/>
+          </a:xfrm>
+          <a:prstGeom prst="rect">
+            <a:avLst/>
+          </a:prstGeom>
+        </p:spPr>
+        <p:txBody>
+          <a:bodyPr wrap="none">
+            <a:spAutoFit/>
+          </a:bodyPr>
+          <a:lstStyle/>
+          <a:p>
+            <a:r>
+              <a:rPr lang="ru-RU" spc="-60" dirty="0" smtClean="0">
+                <a:solidFill>
+                  <a:srgbClr val="FFFFFF"/>
+                </a:solidFill>
+                <a:latin typeface="Verdana"/>
+              </a:rPr>
+              <a:t>Погодные шумы</a:t>
+            </a:r>
+            <a:endParaRPr lang="ru-RU" dirty="0"/>
+          </a:p>
+        </p:txBody>
+      </p:sp>
+      <p:pic>
+        <p:nvPicPr>
+          <p:cNvPr id="17" name="Рисунок 16"/>
+          <p:cNvPicPr>
+            <a:picLocks noChangeAspect="1"/>
+          </p:cNvPicPr>
+          <p:nvPr/>
+        </p:nvPicPr>
+        <p:blipFill>
+          <a:blip r:embed="rId10" cstate="print">
+            <a:extLst>
+              <a:ext uri="{28A0092B-C50C-407E-A947-70E740481C1C}">
+                <a14:useLocalDpi xmlns:a14="http://schemas.microsoft.com/office/drawing/2010/main" val="0"/>
+              </a:ext>
+            </a:extLst>
+          </a:blip>
+          <a:stretch>
+            <a:fillRect/>
+          </a:stretch>
+        </p:blipFill>
+        <p:spPr>
+          <a:xfrm>
+            <a:off x="2254951" y="3200721"/>
+            <a:ext cx="2204656" cy="2449194"/>
           </a:xfrm>
           <a:prstGeom prst="rect">
             <a:avLst/>
@@ -9161,7 +9835,7 @@
     </p:spTree>
     <p:extLst>
       <p:ext uri="{BB962C8B-B14F-4D97-AF65-F5344CB8AC3E}">
-        <p14:creationId xmlns:p14="http://schemas.microsoft.com/office/powerpoint/2010/main" val="98604051"/>
+        <p14:creationId xmlns:p14="http://schemas.microsoft.com/office/powerpoint/2010/main" val="858241529"/>
       </p:ext>
     </p:extLst>
   </p:cSld>
@@ -11040,4 +11714,265 @@
   <a:objectDefaults/>
   <a:extraClrSchemeLst/>
 </a:theme>
+</file>
+
+<file path=ppt/theme/theme2.xml><?xml version="1.0" encoding="utf-8"?>
+<a:theme xmlns:a="http://schemas.openxmlformats.org/drawingml/2006/main" name="Тема Office">
+  <a:themeElements>
+    <a:clrScheme name="Стандартная">
+      <a:dk1>
+        <a:sysClr val="windowText" lastClr="000000"/>
+      </a:dk1>
+      <a:lt1>
+        <a:sysClr val="window" lastClr="FFFFFF"/>
+      </a:lt1>
+      <a:dk2>
+        <a:srgbClr val="44546A"/>
+      </a:dk2>
+      <a:lt2>
+        <a:srgbClr val="E7E6E6"/>
+      </a:lt2>
+      <a:accent1>
+        <a:srgbClr val="5B9BD5"/>
+      </a:accent1>
+      <a:accent2>
+        <a:srgbClr val="ED7D31"/>
+      </a:accent2>
+      <a:accent3>
+        <a:srgbClr val="A5A5A5"/>
+      </a:accent3>
+      <a:accent4>
+        <a:srgbClr val="FFC000"/>
+      </a:accent4>
+      <a:accent5>
+        <a:srgbClr val="4472C4"/>
+      </a:accent5>
+      <a:accent6>
+        <a:srgbClr val="70AD47"/>
+      </a:accent6>
+      <a:hlink>
+        <a:srgbClr val="0563C1"/>
+      </a:hlink>
+      <a:folHlink>
+        <a:srgbClr val="954F72"/>
+      </a:folHlink>
+    </a:clrScheme>
+    <a:fontScheme name="Стандартная">
+      <a:majorFont>
+        <a:latin typeface="Calibri Light" panose="020F0302020204030204"/>
+        <a:ea typeface=""/>
+        <a:cs typeface=""/>
+        <a:font script="Jpan" typeface="游ゴシック Light"/>
+        <a:font script="Hang" typeface="맑은 고딕"/>
+        <a:font script="Hans" typeface="等线 Light"/>
+        <a:font script="Hant" typeface="新細明體"/>
+        <a:font script="Arab" typeface="Times New Roman"/>
+        <a:font script="Hebr" typeface="Times New Roman"/>
+        <a:font script="Thai" typeface="Angsana New"/>
+        <a:font script="Ethi" typeface="Nyala"/>
+        <a:font script="Beng" typeface="Vrinda"/>
+        <a:font script="Gujr" typeface="Shruti"/>
+        <a:font script="Khmr" typeface="MoolBoran"/>
+        <a:font script="Knda" typeface="Tunga"/>
+        <a:font script="Guru" typeface="Raavi"/>
+        <a:font script="Cans" typeface="Euphemia"/>
+        <a:font script="Cher" typeface="Plantagenet Cherokee"/>
+        <a:font script="Yiii" typeface="Microsoft Yi Baiti"/>
+        <a:font script="Tibt" typeface="Microsoft Himalaya"/>
+        <a:font script="Thaa" typeface="MV Boli"/>
+        <a:font script="Deva" typeface="Mangal"/>
+        <a:font script="Telu" typeface="Gautami"/>
+        <a:font script="Taml" typeface="Latha"/>
+        <a:font script="Syrc" typeface="Estrangelo Edessa"/>
+        <a:font script="Orya" typeface="Kalinga"/>
+        <a:font script="Mlym" typeface="Kartika"/>
+        <a:font script="Laoo" typeface="DokChampa"/>
+        <a:font script="Sinh" typeface="Iskoola Pota"/>
+        <a:font script="Mong" typeface="Mongolian Baiti"/>
+        <a:font script="Viet" typeface="Times New Roman"/>
+        <a:font script="Uigh" typeface="Microsoft Uighur"/>
+        <a:font script="Geor" typeface="Sylfaen"/>
+      </a:majorFont>
+      <a:minorFont>
+        <a:latin typeface="Calibri" panose="020F0502020204030204"/>
+        <a:ea typeface=""/>
+        <a:cs typeface=""/>
+        <a:font script="Jpan" typeface="游ゴシック"/>
+        <a:font script="Hang" typeface="맑은 고딕"/>
+        <a:font script="Hans" typeface="等线"/>
+        <a:font script="Hant" typeface="新細明體"/>
+        <a:font script="Arab" typeface="Arial"/>
+        <a:font script="Hebr" typeface="Arial"/>
+        <a:font script="Thai" typeface="Cordia New"/>
+        <a:font script="Ethi" typeface="Nyala"/>
+        <a:font script="Beng" typeface="Vrinda"/>
+        <a:font script="Gujr" typeface="Shruti"/>
+        <a:font script="Khmr" typeface="DaunPenh"/>
+        <a:font script="Knda" typeface="Tunga"/>
+        <a:font script="Guru" typeface="Raavi"/>
+        <a:font script="Cans" typeface="Euphemia"/>
+        <a:font script="Cher" typeface="Plantagenet Cherokee"/>
+        <a:font script="Yiii" typeface="Microsoft Yi Baiti"/>
+        <a:font script="Tibt" typeface="Microsoft Himalaya"/>
+        <a:font script="Thaa" typeface="MV Boli"/>
+        <a:font script="Deva" typeface="Mangal"/>
+        <a:font script="Telu" typeface="Gautami"/>
+        <a:font script="Taml" typeface="Latha"/>
+        <a:font script="Syrc" typeface="Estrangelo Edessa"/>
+        <a:font script="Orya" typeface="Kalinga"/>
+        <a:font script="Mlym" typeface="Kartika"/>
+        <a:font script="Laoo" typeface="DokChampa"/>
+        <a:font script="Sinh" typeface="Iskoola Pota"/>
+        <a:font script="Mong" typeface="Mongolian Baiti"/>
+        <a:font script="Viet" typeface="Arial"/>
+        <a:font script="Uigh" typeface="Microsoft Uighur"/>
+        <a:font script="Geor" typeface="Sylfaen"/>
+      </a:minorFont>
+    </a:fontScheme>
+    <a:fmtScheme name="Стандартная">
+      <a:fillStyleLst>
+        <a:solidFill>
+          <a:schemeClr val="phClr"/>
+        </a:solidFill>
+        <a:gradFill rotWithShape="1">
+          <a:gsLst>
+            <a:gs pos="0">
+              <a:schemeClr val="phClr">
+                <a:lumMod val="110000"/>
+                <a:satMod val="105000"/>
+                <a:tint val="67000"/>
+              </a:schemeClr>
+            </a:gs>
+            <a:gs pos="50000">
+              <a:schemeClr val="phClr">
+                <a:lumMod val="105000"/>
+                <a:satMod val="103000"/>
+                <a:tint val="73000"/>
+              </a:schemeClr>
+            </a:gs>
+            <a:gs pos="100000">
+              <a:schemeClr val="phClr">
+                <a:lumMod val="105000"/>
+                <a:satMod val="109000"/>
+                <a:tint val="81000"/>
+              </a:schemeClr>
+            </a:gs>
+          </a:gsLst>
+          <a:lin ang="5400000" scaled="0"/>
+        </a:gradFill>
+        <a:gradFill rotWithShape="1">
+          <a:gsLst>
+            <a:gs pos="0">
+              <a:schemeClr val="phClr">
+                <a:satMod val="103000"/>
+                <a:lumMod val="102000"/>
+                <a:tint val="94000"/>
+              </a:schemeClr>
+            </a:gs>
+            <a:gs pos="50000">
+              <a:schemeClr val="phClr">
+                <a:satMod val="110000"/>
+                <a:lumMod val="100000"/>
+                <a:shade val="100000"/>
+              </a:schemeClr>
+            </a:gs>
+            <a:gs pos="100000">
+              <a:schemeClr val="phClr">
+                <a:lumMod val="99000"/>
+                <a:satMod val="120000"/>
+                <a:shade val="78000"/>
+              </a:schemeClr>
+            </a:gs>
+          </a:gsLst>
+          <a:lin ang="5400000" scaled="0"/>
+        </a:gradFill>
+      </a:fillStyleLst>
+      <a:lnStyleLst>
+        <a:ln w="6350" cap="flat" cmpd="sng" algn="ctr">
+          <a:solidFill>
+            <a:schemeClr val="phClr"/>
+          </a:solidFill>
+          <a:prstDash val="solid"/>
+          <a:miter lim="800000"/>
+        </a:ln>
+        <a:ln w="12700" cap="flat" cmpd="sng" algn="ctr">
+          <a:solidFill>
+            <a:schemeClr val="phClr"/>
+          </a:solidFill>
+          <a:prstDash val="solid"/>
+          <a:miter lim="800000"/>
+        </a:ln>
+        <a:ln w="19050" cap="flat" cmpd="sng" algn="ctr">
+          <a:solidFill>
+            <a:schemeClr val="phClr"/>
+          </a:solidFill>
+          <a:prstDash val="solid"/>
+          <a:miter lim="800000"/>
+        </a:ln>
+      </a:lnStyleLst>
+      <a:effectStyleLst>
+        <a:effectStyle>
+          <a:effectLst/>
+        </a:effectStyle>
+        <a:effectStyle>
+          <a:effectLst/>
+        </a:effectStyle>
+        <a:effectStyle>
+          <a:effectLst>
+            <a:outerShdw blurRad="57150" dist="19050" dir="5400000" algn="ctr" rotWithShape="0">
+              <a:srgbClr val="000000">
+                <a:alpha val="63000"/>
+              </a:srgbClr>
+            </a:outerShdw>
+          </a:effectLst>
+        </a:effectStyle>
+      </a:effectStyleLst>
+      <a:bgFillStyleLst>
+        <a:solidFill>
+          <a:schemeClr val="phClr"/>
+        </a:solidFill>
+        <a:solidFill>
+          <a:schemeClr val="phClr">
+            <a:tint val="95000"/>
+            <a:satMod val="170000"/>
+          </a:schemeClr>
+        </a:solidFill>
+        <a:gradFill rotWithShape="1">
+          <a:gsLst>
+            <a:gs pos="0">
+              <a:schemeClr val="phClr">
+                <a:tint val="93000"/>
+                <a:satMod val="150000"/>
+                <a:shade val="98000"/>
+                <a:lumMod val="102000"/>
+              </a:schemeClr>
+            </a:gs>
+            <a:gs pos="50000">
+              <a:schemeClr val="phClr">
+                <a:tint val="98000"/>
+                <a:satMod val="130000"/>
+                <a:shade val="90000"/>
+                <a:lumMod val="103000"/>
+              </a:schemeClr>
+            </a:gs>
+            <a:gs pos="100000">
+              <a:schemeClr val="phClr">
+                <a:shade val="63000"/>
+                <a:satMod val="120000"/>
+              </a:schemeClr>
+            </a:gs>
+          </a:gsLst>
+          <a:lin ang="5400000" scaled="0"/>
+        </a:gradFill>
+      </a:bgFillStyleLst>
+    </a:fmtScheme>
+  </a:themeElements>
+  <a:objectDefaults/>
+  <a:extraClrSchemeLst/>
+  <a:extLst>
+    <a:ext uri="{05A4C25C-085E-4340-85A3-A5531E510DB2}">
+      <thm15:themeFamily xmlns:thm15="http://schemas.microsoft.com/office/thememl/2012/main" name="Office Theme" id="{62F939B6-93AF-4DB8-9C6B-D6C7DFDC589F}" vid="{4A3C46E8-61CC-4603-A589-7422A47A8E4A}"/>
+    </a:ext>
+  </a:extLst>
+</a:theme>
 </file>